--- a/presentation.pptx
+++ b/presentation.pptx
@@ -12,8 +12,8 @@
   </p:handoutMasterIdLst>
   <p:sldIdLst>
     <p:sldId id="265" r:id="rId2"/>
-    <p:sldId id="320" r:id="rId3"/>
-    <p:sldId id="310" r:id="rId4"/>
+    <p:sldId id="310" r:id="rId3"/>
+    <p:sldId id="320" r:id="rId4"/>
     <p:sldId id="311" r:id="rId5"/>
     <p:sldId id="313" r:id="rId6"/>
     <p:sldId id="312" r:id="rId7"/>
@@ -222,7 +222,7 @@
           <a:p>
             <a:fld id="{59088EAF-6ECA-4616-85EF-35AA19C641F3}" type="datetimeFigureOut">
               <a:rPr lang="en-US"/>
-              <a:t>11/16/2018</a:t>
+              <a:t>11/19/2018</a:t>
             </a:fld>
             <a:endParaRPr/>
           </a:p>
@@ -387,7 +387,7 @@
           <a:p>
             <a:fld id="{3ABD2D7A-D230-4F91-BD59-0A39C2703BA8}" type="datetimeFigureOut">
               <a:rPr lang="en-US"/>
-              <a:t>11/16/2018</a:t>
+              <a:t>11/19/2018</a:t>
             </a:fld>
             <a:endParaRPr/>
           </a:p>
@@ -996,7 +996,7 @@
           <a:p>
             <a:fld id="{03F41C87-7AD9-4845-A077-840E4A0F3F06}" type="datetimeFigureOut">
               <a:rPr lang="en-US"/>
-              <a:t>11/16/2018</a:t>
+              <a:t>11/19/2018</a:t>
             </a:fld>
             <a:endParaRPr/>
           </a:p>
@@ -1188,7 +1188,7 @@
           <a:p>
             <a:fld id="{03F41C87-7AD9-4845-A077-840E4A0F3F06}" type="datetimeFigureOut">
               <a:rPr lang="en-US"/>
-              <a:t>11/16/2018</a:t>
+              <a:t>11/19/2018</a:t>
             </a:fld>
             <a:endParaRPr/>
           </a:p>
@@ -1377,7 +1377,7 @@
           <a:p>
             <a:fld id="{03F41C87-7AD9-4845-A077-840E4A0F3F06}" type="datetimeFigureOut">
               <a:rPr lang="en-US"/>
-              <a:t>11/16/2018</a:t>
+              <a:t>11/19/2018</a:t>
             </a:fld>
             <a:endParaRPr/>
           </a:p>
@@ -1657,7 +1657,7 @@
           <a:p>
             <a:fld id="{03F41C87-7AD9-4845-A077-840E4A0F3F06}" type="datetimeFigureOut">
               <a:rPr lang="en-US"/>
-              <a:t>11/16/2018</a:t>
+              <a:t>11/19/2018</a:t>
             </a:fld>
             <a:endParaRPr/>
           </a:p>
@@ -1961,7 +1961,7 @@
           <a:p>
             <a:fld id="{03F41C87-7AD9-4845-A077-840E4A0F3F06}" type="datetimeFigureOut">
               <a:rPr lang="en-US"/>
-              <a:t>11/16/2018</a:t>
+              <a:t>11/19/2018</a:t>
             </a:fld>
             <a:endParaRPr/>
           </a:p>
@@ -2417,7 +2417,7 @@
           <a:p>
             <a:fld id="{03F41C87-7AD9-4845-A077-840E4A0F3F06}" type="datetimeFigureOut">
               <a:rPr lang="en-US"/>
-              <a:t>11/16/2018</a:t>
+              <a:t>11/19/2018</a:t>
             </a:fld>
             <a:endParaRPr/>
           </a:p>
@@ -2547,7 +2547,7 @@
           <a:p>
             <a:fld id="{03F41C87-7AD9-4845-A077-840E4A0F3F06}" type="datetimeFigureOut">
               <a:rPr lang="en-US"/>
-              <a:t>11/16/2018</a:t>
+              <a:t>11/19/2018</a:t>
             </a:fld>
             <a:endParaRPr/>
           </a:p>
@@ -2662,7 +2662,7 @@
           <a:p>
             <a:fld id="{03F41C87-7AD9-4845-A077-840E4A0F3F06}" type="datetimeFigureOut">
               <a:rPr lang="en-US"/>
-              <a:t>11/16/2018</a:t>
+              <a:t>11/19/2018</a:t>
             </a:fld>
             <a:endParaRPr/>
           </a:p>
@@ -2984,7 +2984,7 @@
           <a:p>
             <a:fld id="{03F41C87-7AD9-4845-A077-840E4A0F3F06}" type="datetimeFigureOut">
               <a:rPr lang="en-US"/>
-              <a:t>11/16/2018</a:t>
+              <a:t>11/19/2018</a:t>
             </a:fld>
             <a:endParaRPr/>
           </a:p>
@@ -3296,7 +3296,7 @@
             <a:fld id="{03F41C87-7AD9-4845-A077-840E4A0F3F06}" type="datetimeFigureOut">
               <a:rPr lang="en-US"/>
               <a:pPr/>
-              <a:t>11/16/2018</a:t>
+              <a:t>11/19/2018</a:t>
             </a:fld>
             <a:endParaRPr/>
           </a:p>
@@ -3550,7 +3550,7 @@
             <a:fld id="{03F41C87-7AD9-4845-A077-840E4A0F3F06}" type="datetimeFigureOut">
               <a:rPr lang="en-US" smtClean="0"/>
               <a:pPr/>
-              <a:t>11/16/2018</a:t>
+              <a:t>11/19/2018</a:t>
             </a:fld>
             <a:endParaRPr lang="en-US"/>
           </a:p>
@@ -4064,13 +4064,7 @@
       </p:grpSpPr>
       <p:sp>
         <p:nvSpPr>
-          <p:cNvPr id="2" name="Title 1">
-            <a:extLst>
-              <a:ext uri="{FF2B5EF4-FFF2-40B4-BE49-F238E27FC236}">
-                <a16:creationId xmlns:a16="http://schemas.microsoft.com/office/drawing/2014/main" id="{3A1636A7-3925-4BDA-84B7-D19FDC845A9E}"/>
-              </a:ext>
-            </a:extLst>
-          </p:cNvPr>
+          <p:cNvPr id="13" name="Title 12"/>
           <p:cNvSpPr>
             <a:spLocks noGrp="1"/>
           </p:cNvSpPr>
@@ -4084,21 +4078,15 @@
           <a:lstStyle/>
           <a:p>
             <a:r>
-              <a:rPr lang="en-CA" dirty="0"/>
-              <a:t>Motivation</a:t>
-            </a:r>
-          </a:p>
-        </p:txBody>
-      </p:sp>
-      <p:sp>
-        <p:nvSpPr>
-          <p:cNvPr id="3" name="Content Placeholder 2">
-            <a:extLst>
-              <a:ext uri="{FF2B5EF4-FFF2-40B4-BE49-F238E27FC236}">
-                <a16:creationId xmlns:a16="http://schemas.microsoft.com/office/drawing/2014/main" id="{CFF8D262-CC4E-4AE6-AAF8-8BAAC359A491}"/>
-              </a:ext>
-            </a:extLst>
-          </p:cNvPr>
+              <a:rPr lang="en-US" dirty="0"/>
+              <a:t>Summary</a:t>
+            </a:r>
+          </a:p>
+        </p:txBody>
+      </p:sp>
+      <p:sp>
+        <p:nvSpPr>
+          <p:cNvPr id="14" name="Content Placeholder 13"/>
           <p:cNvSpPr>
             <a:spLocks noGrp="1"/>
           </p:cNvSpPr>
@@ -4112,22 +4100,34 @@
           <a:lstStyle/>
           <a:p>
             <a:r>
-              <a:rPr lang="en-CA" dirty="0"/>
-              <a:t>We all like strategy and RPG video games and Terra chess has these</a:t>
-            </a:r>
-          </a:p>
-          <a:p>
-            <a:pPr marL="0" indent="0">
-              <a:buNone/>
-            </a:pPr>
-            <a:endParaRPr lang="en-CA" dirty="0"/>
+              <a:rPr lang="en-US" dirty="0"/>
+              <a:t>Based on chess</a:t>
+            </a:r>
+          </a:p>
+          <a:p>
+            <a:r>
+              <a:rPr lang="en-US" dirty="0"/>
+              <a:t>But with a twist…</a:t>
+            </a:r>
+          </a:p>
+          <a:p>
+            <a:r>
+              <a:rPr lang="en-US" dirty="0"/>
+              <a:t>Chess with customizable pieces</a:t>
+            </a:r>
+          </a:p>
+          <a:p>
+            <a:r>
+              <a:rPr lang="en-US" dirty="0"/>
+              <a:t>Including RPG mechanics</a:t>
+            </a:r>
           </a:p>
         </p:txBody>
       </p:sp>
     </p:spTree>
     <p:extLst>
       <p:ext uri="{BB962C8B-B14F-4D97-AF65-F5344CB8AC3E}">
-        <p14:creationId xmlns:p14="http://schemas.microsoft.com/office/powerpoint/2010/main" val="871973051"/>
+        <p14:creationId xmlns:p14="http://schemas.microsoft.com/office/powerpoint/2010/main" val="2139132589"/>
       </p:ext>
     </p:extLst>
   </p:cSld>
@@ -4168,7 +4168,13 @@
       </p:grpSpPr>
       <p:sp>
         <p:nvSpPr>
-          <p:cNvPr id="13" name="Title 12"/>
+          <p:cNvPr id="2" name="Title 1">
+            <a:extLst>
+              <a:ext uri="{FF2B5EF4-FFF2-40B4-BE49-F238E27FC236}">
+                <a16:creationId xmlns:a16="http://schemas.microsoft.com/office/drawing/2014/main" id="{3A1636A7-3925-4BDA-84B7-D19FDC845A9E}"/>
+              </a:ext>
+            </a:extLst>
+          </p:cNvPr>
           <p:cNvSpPr>
             <a:spLocks noGrp="1"/>
           </p:cNvSpPr>
@@ -4182,15 +4188,21 @@
           <a:lstStyle/>
           <a:p>
             <a:r>
-              <a:rPr lang="en-US" dirty="0"/>
-              <a:t>Summary</a:t>
-            </a:r>
-          </a:p>
-        </p:txBody>
-      </p:sp>
-      <p:sp>
-        <p:nvSpPr>
-          <p:cNvPr id="14" name="Content Placeholder 13"/>
+              <a:rPr lang="en-CA" dirty="0"/>
+              <a:t>Motivation</a:t>
+            </a:r>
+          </a:p>
+        </p:txBody>
+      </p:sp>
+      <p:sp>
+        <p:nvSpPr>
+          <p:cNvPr id="3" name="Content Placeholder 2">
+            <a:extLst>
+              <a:ext uri="{FF2B5EF4-FFF2-40B4-BE49-F238E27FC236}">
+                <a16:creationId xmlns:a16="http://schemas.microsoft.com/office/drawing/2014/main" id="{CFF8D262-CC4E-4AE6-AAF8-8BAAC359A491}"/>
+              </a:ext>
+            </a:extLst>
+          </p:cNvPr>
           <p:cNvSpPr>
             <a:spLocks noGrp="1"/>
           </p:cNvSpPr>
@@ -4204,34 +4216,22 @@
           <a:lstStyle/>
           <a:p>
             <a:r>
-              <a:rPr lang="en-US" dirty="0"/>
-              <a:t>Based on chess</a:t>
-            </a:r>
-          </a:p>
-          <a:p>
-            <a:r>
-              <a:rPr lang="en-US" dirty="0"/>
-              <a:t>But with a twist…</a:t>
-            </a:r>
-          </a:p>
-          <a:p>
-            <a:r>
-              <a:rPr lang="en-US" dirty="0"/>
-              <a:t>Chess with customizable pieces</a:t>
-            </a:r>
-          </a:p>
-          <a:p>
-            <a:r>
-              <a:rPr lang="en-US" dirty="0"/>
-              <a:t>Including RPG mechanics</a:t>
-            </a:r>
+              <a:rPr lang="en-CA" dirty="0"/>
+              <a:t>We all like strategy and RPG video games and Terra chess has these</a:t>
+            </a:r>
+          </a:p>
+          <a:p>
+            <a:pPr marL="0" indent="0">
+              <a:buNone/>
+            </a:pPr>
+            <a:endParaRPr lang="en-CA" dirty="0"/>
           </a:p>
         </p:txBody>
       </p:sp>
     </p:spTree>
     <p:extLst>
       <p:ext uri="{BB962C8B-B14F-4D97-AF65-F5344CB8AC3E}">
-        <p14:creationId xmlns:p14="http://schemas.microsoft.com/office/powerpoint/2010/main" val="2139132589"/>
+        <p14:creationId xmlns:p14="http://schemas.microsoft.com/office/powerpoint/2010/main" val="871973051"/>
       </p:ext>
     </p:extLst>
   </p:cSld>
@@ -4396,43 +4396,94 @@
             <p:ph type="title"/>
           </p:nvPr>
         </p:nvSpPr>
-        <p:spPr/>
+        <p:spPr>
+          <a:xfrm>
+            <a:off x="189756" y="332656"/>
+            <a:ext cx="9144001" cy="1371600"/>
+          </a:xfrm>
+        </p:spPr>
         <p:txBody>
           <a:bodyPr/>
           <a:lstStyle/>
           <a:p>
             <a:r>
               <a:rPr lang="en-US" dirty="0"/>
-              <a:t>Flowchart</a:t>
-            </a:r>
-          </a:p>
-        </p:txBody>
-      </p:sp>
-      <p:sp>
-        <p:nvSpPr>
-          <p:cNvPr id="8" name="Content Placeholder 7">
+              <a:t>Flowcharts</a:t>
+            </a:r>
+          </a:p>
+        </p:txBody>
+      </p:sp>
+      <p:pic>
+        <p:nvPicPr>
+          <p:cNvPr id="4" name="Content Placeholder 3">
             <a:extLst>
               <a:ext uri="{FF2B5EF4-FFF2-40B4-BE49-F238E27FC236}">
-                <a16:creationId xmlns:a16="http://schemas.microsoft.com/office/drawing/2014/main" id="{0916ABBD-2BAC-43E2-98EF-5CB1F27ABEA8}"/>
+                <a16:creationId xmlns:a16="http://schemas.microsoft.com/office/drawing/2014/main" id="{1E12216B-D47B-4C13-B934-71ED2A82B649}"/>
               </a:ext>
             </a:extLst>
           </p:cNvPr>
-          <p:cNvSpPr>
-            <a:spLocks noGrp="1"/>
-          </p:cNvSpPr>
+          <p:cNvPicPr>
+            <a:picLocks noGrp="1" noChangeAspect="1"/>
+          </p:cNvPicPr>
           <p:nvPr>
             <p:ph idx="1"/>
           </p:nvPr>
-        </p:nvSpPr>
-        <p:spPr/>
-        <p:txBody>
-          <a:bodyPr/>
-          <a:lstStyle/>
-          <a:p>
-            <a:endParaRPr lang="en-CA" dirty="0"/>
-          </a:p>
-        </p:txBody>
-      </p:sp>
+        </p:nvPicPr>
+        <p:blipFill>
+          <a:blip r:embed="rId2">
+            <a:extLst>
+              <a:ext uri="{28A0092B-C50C-407E-A947-70E740481C1C}">
+                <a14:useLocalDpi xmlns:a14="http://schemas.microsoft.com/office/drawing/2010/main" val="0"/>
+              </a:ext>
+            </a:extLst>
+          </a:blip>
+          <a:stretch>
+            <a:fillRect/>
+          </a:stretch>
+        </p:blipFill>
+        <p:spPr>
+          <a:xfrm>
+            <a:off x="2566020" y="136980"/>
+            <a:ext cx="3672408" cy="6584039"/>
+          </a:xfrm>
+        </p:spPr>
+      </p:pic>
+      <p:pic>
+        <p:nvPicPr>
+          <p:cNvPr id="6" name="Picture 5">
+            <a:extLst>
+              <a:ext uri="{FF2B5EF4-FFF2-40B4-BE49-F238E27FC236}">
+                <a16:creationId xmlns:a16="http://schemas.microsoft.com/office/drawing/2014/main" id="{08F76D39-62C0-4D97-855E-AFE8411A4EB9}"/>
+              </a:ext>
+            </a:extLst>
+          </p:cNvPr>
+          <p:cNvPicPr>
+            <a:picLocks noChangeAspect="1"/>
+          </p:cNvPicPr>
+          <p:nvPr/>
+        </p:nvPicPr>
+        <p:blipFill>
+          <a:blip r:embed="rId3">
+            <a:extLst>
+              <a:ext uri="{28A0092B-C50C-407E-A947-70E740481C1C}">
+                <a14:useLocalDpi xmlns:a14="http://schemas.microsoft.com/office/drawing/2010/main" val="0"/>
+              </a:ext>
+            </a:extLst>
+          </a:blip>
+          <a:stretch>
+            <a:fillRect/>
+          </a:stretch>
+        </p:blipFill>
+        <p:spPr>
+          <a:xfrm>
+            <a:off x="6980080" y="136980"/>
+            <a:ext cx="4685781" cy="6553866"/>
+          </a:xfrm>
+          <a:prstGeom prst="rect">
+            <a:avLst/>
+          </a:prstGeom>
+        </p:spPr>
+      </p:pic>
     </p:spTree>
     <p:extLst>
       <p:ext uri="{BB962C8B-B14F-4D97-AF65-F5344CB8AC3E}">
@@ -4490,6 +4541,7 @@
           <a:bodyPr/>
           <a:lstStyle/>
           <a:p>
+            <a:pPr algn="ctr"/>
             <a:r>
               <a:rPr lang="en-US" dirty="0"/>
               <a:t>Conclusion</a:t>
